--- a/Sketch/Games/Instrucoes.pptx
+++ b/Sketch/Games/Instrucoes.pptx
@@ -17,10 +17,11 @@
     <p:sldId id="268" r:id="rId11"/>
     <p:sldId id="269" r:id="rId12"/>
     <p:sldId id="265" r:id="rId13"/>
-    <p:sldId id="270" r:id="rId14"/>
-    <p:sldId id="271" r:id="rId15"/>
-    <p:sldId id="272" r:id="rId16"/>
-    <p:sldId id="264" r:id="rId17"/>
+    <p:sldId id="273" r:id="rId14"/>
+    <p:sldId id="270" r:id="rId15"/>
+    <p:sldId id="271" r:id="rId16"/>
+    <p:sldId id="272" r:id="rId17"/>
+    <p:sldId id="264" r:id="rId18"/>
   </p:sldIdLst>
   <p:sldSz cx="9144000" cy="6858000" type="screen4x3"/>
   <p:notesSz cx="6858000" cy="9144000"/>
@@ -3244,118 +3245,118 @@
       </p:grpSpPr>
       <p:grpSp>
         <p:nvGrpSpPr>
-          <p:cNvPr id="22" name="Grupo 21"/>
+          <p:cNvPr id="4" name="Grupo 3"/>
           <p:cNvGrpSpPr/>
           <p:nvPr/>
         </p:nvGrpSpPr>
         <p:grpSpPr>
           <a:xfrm>
-            <a:off x="1787040" y="-981426"/>
-            <a:ext cx="5384700" cy="8186628"/>
-            <a:chOff x="1787040" y="-981426"/>
-            <a:chExt cx="5384700" cy="8186628"/>
+            <a:off x="1787040" y="-674474"/>
+            <a:ext cx="5384700" cy="7879676"/>
+            <a:chOff x="1787040" y="-674474"/>
+            <a:chExt cx="5384700" cy="7879676"/>
           </a:xfrm>
         </p:grpSpPr>
-        <p:grpSp>
-          <p:nvGrpSpPr>
-            <p:cNvPr id="4" name="Grupo 3"/>
-            <p:cNvGrpSpPr/>
+        <p:sp>
+          <p:nvSpPr>
+            <p:cNvPr id="5" name="Retângulo 4"/>
+            <p:cNvSpPr/>
             <p:nvPr/>
-          </p:nvGrpSpPr>
-          <p:grpSpPr>
-            <a:xfrm>
-              <a:off x="1787040" y="-674474"/>
-              <a:ext cx="5384700" cy="7879676"/>
-              <a:chOff x="1787040" y="-674474"/>
-              <a:chExt cx="5384700" cy="7879676"/>
+          </p:nvSpPr>
+          <p:spPr>
+            <a:xfrm rot="5400000">
+              <a:off x="539552" y="573014"/>
+              <a:ext cx="7879676" cy="5384700"/>
             </a:xfrm>
-          </p:grpSpPr>
-          <p:sp>
-            <p:nvSpPr>
-              <p:cNvPr id="5" name="Retângulo 4"/>
-              <p:cNvSpPr/>
-              <p:nvPr/>
-            </p:nvSpPr>
-            <p:spPr>
-              <a:xfrm rot="5400000">
-                <a:off x="539552" y="573014"/>
-                <a:ext cx="7879676" cy="5384700"/>
-              </a:xfrm>
-              <a:prstGeom prst="rect">
-                <a:avLst/>
-              </a:prstGeom>
-              <a:solidFill>
-                <a:srgbClr val="F39C12"/>
-              </a:solidFill>
-              <a:ln>
-                <a:noFill/>
-              </a:ln>
-            </p:spPr>
-            <p:style>
-              <a:lnRef idx="2">
-                <a:schemeClr val="accent1">
-                  <a:shade val="50000"/>
-                </a:schemeClr>
-              </a:lnRef>
-              <a:fillRef idx="1">
-                <a:schemeClr val="accent1"/>
-              </a:fillRef>
-              <a:effectRef idx="0">
-                <a:schemeClr val="accent1"/>
-              </a:effectRef>
-              <a:fontRef idx="minor">
-                <a:schemeClr val="lt1"/>
-              </a:fontRef>
-            </p:style>
-            <p:txBody>
-              <a:bodyPr rtlCol="0" anchor="ctr"/>
-              <a:lstStyle/>
-              <a:p>
-                <a:pPr algn="ctr"/>
-                <a:endParaRPr lang="pt-BR"/>
-              </a:p>
-            </p:txBody>
-          </p:sp>
-          <p:pic>
-            <p:nvPicPr>
-              <p:cNvPr id="6" name="Picture 4" descr="C:\Users\u18189\Desktop\Ludit\Sketch\Personagens\Rex\1x\Ativo 1.png"/>
-              <p:cNvPicPr>
-                <a:picLocks noChangeAspect="1" noChangeArrowheads="1"/>
-              </p:cNvPicPr>
-              <p:nvPr/>
-            </p:nvPicPr>
-            <p:blipFill rotWithShape="1">
-              <a:blip r:embed="rId2">
-                <a:extLst>
-                  <a:ext uri="{28A0092B-C50C-407E-A947-70E740481C1C}">
-                    <a14:useLocalDpi xmlns:a14="http://schemas.microsoft.com/office/drawing/2010/main" val="0"/>
-                  </a:ext>
-                </a:extLst>
-              </a:blip>
-              <a:srcRect r="18855" b="13695"/>
-              <a:stretch/>
-            </p:blipFill>
-            <p:spPr bwMode="auto">
-              <a:xfrm flipH="1">
-                <a:off x="1787040" y="4725630"/>
-                <a:ext cx="3819166" cy="2455536"/>
-              </a:xfrm>
-              <a:prstGeom prst="rect">
-                <a:avLst/>
-              </a:prstGeom>
+            <a:prstGeom prst="rect">
+              <a:avLst/>
+            </a:prstGeom>
+            <a:solidFill>
+              <a:srgbClr val="F39C12"/>
+            </a:solidFill>
+            <a:ln>
               <a:noFill/>
+            </a:ln>
+          </p:spPr>
+          <p:style>
+            <a:lnRef idx="2">
+              <a:schemeClr val="accent1">
+                <a:shade val="50000"/>
+              </a:schemeClr>
+            </a:lnRef>
+            <a:fillRef idx="1">
+              <a:schemeClr val="accent1"/>
+            </a:fillRef>
+            <a:effectRef idx="0">
+              <a:schemeClr val="accent1"/>
+            </a:effectRef>
+            <a:fontRef idx="minor">
+              <a:schemeClr val="lt1"/>
+            </a:fontRef>
+          </p:style>
+          <p:txBody>
+            <a:bodyPr rtlCol="0" anchor="ctr"/>
+            <a:lstStyle/>
+            <a:p>
+              <a:pPr algn="ctr"/>
+              <a:endParaRPr lang="pt-BR"/>
+            </a:p>
+          </p:txBody>
+        </p:sp>
+        <p:pic>
+          <p:nvPicPr>
+            <p:cNvPr id="6" name="Picture 4" descr="C:\Users\u18189\Desktop\Ludit\Sketch\Personagens\Rex\1x\Ativo 1.png"/>
+            <p:cNvPicPr>
+              <a:picLocks noChangeAspect="1" noChangeArrowheads="1"/>
+            </p:cNvPicPr>
+            <p:nvPr/>
+          </p:nvPicPr>
+          <p:blipFill rotWithShape="1">
+            <a:blip r:embed="rId2">
               <a:extLst>
-                <a:ext uri="{909E8E84-426E-40DD-AFC4-6F175D3DCCD1}">
-                  <a14:hiddenFill xmlns:a14="http://schemas.microsoft.com/office/drawing/2010/main">
-                    <a:solidFill>
-                      <a:srgbClr val="FFFFFF"/>
-                    </a:solidFill>
-                  </a14:hiddenFill>
+                <a:ext uri="{28A0092B-C50C-407E-A947-70E740481C1C}">
+                  <a14:useLocalDpi xmlns:a14="http://schemas.microsoft.com/office/drawing/2010/main" val="0"/>
                 </a:ext>
               </a:extLst>
-            </p:spPr>
-          </p:pic>
-        </p:grpSp>
+            </a:blip>
+            <a:srcRect r="18855" b="13695"/>
+            <a:stretch/>
+          </p:blipFill>
+          <p:spPr bwMode="auto">
+            <a:xfrm flipH="1">
+              <a:off x="1787040" y="4725630"/>
+              <a:ext cx="3819166" cy="2455536"/>
+            </a:xfrm>
+            <a:prstGeom prst="rect">
+              <a:avLst/>
+            </a:prstGeom>
+            <a:noFill/>
+            <a:extLst>
+              <a:ext uri="{909E8E84-426E-40DD-AFC4-6F175D3DCCD1}">
+                <a14:hiddenFill xmlns:a14="http://schemas.microsoft.com/office/drawing/2010/main">
+                  <a:solidFill>
+                    <a:srgbClr val="FFFFFF"/>
+                  </a:solidFill>
+                </a14:hiddenFill>
+              </a:ext>
+            </a:extLst>
+          </p:spPr>
+        </p:pic>
+      </p:grpSp>
+      <p:grpSp>
+        <p:nvGrpSpPr>
+          <p:cNvPr id="23" name="Grupo 22"/>
+          <p:cNvGrpSpPr/>
+          <p:nvPr/>
+        </p:nvGrpSpPr>
+        <p:grpSpPr>
+          <a:xfrm>
+            <a:off x="1812589" y="-981426"/>
+            <a:ext cx="3850346" cy="4531696"/>
+            <a:chOff x="1812589" y="-981426"/>
+            <a:chExt cx="3850346" cy="4531696"/>
+          </a:xfrm>
+        </p:grpSpPr>
         <p:sp>
           <p:nvSpPr>
             <p:cNvPr id="8" name="Elipse 7"/>
@@ -4946,47 +4947,521 @@
           </p:txBody>
         </p:sp>
       </p:grpSp>
-      <p:pic>
-        <p:nvPicPr>
-          <p:cNvPr id="5122" name="Picture 2" descr="C:\Users\u18189\Desktop\Ludit\Sketch\Cenário\fundo_formas.png"/>
-          <p:cNvPicPr>
-            <a:picLocks noChangeAspect="1" noChangeArrowheads="1"/>
-          </p:cNvPicPr>
+      <p:grpSp>
+        <p:nvGrpSpPr>
+          <p:cNvPr id="12" name="Grupo 11"/>
+          <p:cNvGrpSpPr/>
           <p:nvPr/>
-        </p:nvPicPr>
-        <p:blipFill>
-          <a:blip r:embed="rId2">
+        </p:nvGrpSpPr>
+        <p:grpSpPr>
+          <a:xfrm>
+            <a:off x="251520" y="853186"/>
+            <a:ext cx="9144000" cy="4900613"/>
+            <a:chOff x="251520" y="853186"/>
+            <a:chExt cx="9144000" cy="4900613"/>
+          </a:xfrm>
+        </p:grpSpPr>
+        <p:pic>
+          <p:nvPicPr>
+            <p:cNvPr id="5124" name="Picture 4" descr="C:\Users\u18189\Desktop\Ludit\LuditApp\app\src\main\res\drawable\fundo_formas.png"/>
+            <p:cNvPicPr>
+              <a:picLocks noChangeAspect="1" noChangeArrowheads="1"/>
+            </p:cNvPicPr>
+            <p:nvPr/>
+          </p:nvPicPr>
+          <p:blipFill>
+            <a:blip r:embed="rId2">
+              <a:extLst>
+                <a:ext uri="{28A0092B-C50C-407E-A947-70E740481C1C}">
+                  <a14:useLocalDpi xmlns:a14="http://schemas.microsoft.com/office/drawing/2010/main" val="0"/>
+                </a:ext>
+              </a:extLst>
+            </a:blip>
+            <a:srcRect/>
+            <a:stretch>
+              <a:fillRect/>
+            </a:stretch>
+          </p:blipFill>
+          <p:spPr bwMode="auto">
+            <a:xfrm>
+              <a:off x="251520" y="853186"/>
+              <a:ext cx="9144000" cy="4900613"/>
+            </a:xfrm>
+            <a:prstGeom prst="rect">
+              <a:avLst/>
+            </a:prstGeom>
+            <a:noFill/>
             <a:extLst>
-              <a:ext uri="{28A0092B-C50C-407E-A947-70E740481C1C}">
-                <a14:useLocalDpi xmlns:a14="http://schemas.microsoft.com/office/drawing/2010/main" val="0"/>
+              <a:ext uri="{909E8E84-426E-40DD-AFC4-6F175D3DCCD1}">
+                <a14:hiddenFill xmlns:a14="http://schemas.microsoft.com/office/drawing/2010/main">
+                  <a:solidFill>
+                    <a:srgbClr val="FFFFFF"/>
+                  </a:solidFill>
+                </a14:hiddenFill>
               </a:ext>
             </a:extLst>
-          </a:blip>
-          <a:srcRect/>
-          <a:stretch>
-            <a:fillRect/>
-          </a:stretch>
-        </p:blipFill>
-        <p:spPr bwMode="auto">
-          <a:xfrm>
-            <a:off x="323528" y="1064581"/>
-            <a:ext cx="8615114" cy="4617163"/>
-          </a:xfrm>
-          <a:prstGeom prst="rect">
-            <a:avLst/>
-          </a:prstGeom>
-          <a:noFill/>
-          <a:extLst>
-            <a:ext uri="{909E8E84-426E-40DD-AFC4-6F175D3DCCD1}">
-              <a14:hiddenFill xmlns:a14="http://schemas.microsoft.com/office/drawing/2010/main">
+          </p:spPr>
+        </p:pic>
+        <p:pic>
+          <p:nvPicPr>
+            <p:cNvPr id="5123" name="Picture 3" descr="C:\Users\u18189\Desktop\Ludit\LuditApp\app\src\main\res\drawable\per_6.png"/>
+            <p:cNvPicPr>
+              <a:picLocks noChangeAspect="1" noChangeArrowheads="1"/>
+            </p:cNvPicPr>
+            <p:nvPr/>
+          </p:nvPicPr>
+          <p:blipFill>
+            <a:blip r:embed="rId3" cstate="print">
+              <a:extLst>
+                <a:ext uri="{28A0092B-C50C-407E-A947-70E740481C1C}">
+                  <a14:useLocalDpi xmlns:a14="http://schemas.microsoft.com/office/drawing/2010/main" val="0"/>
+                </a:ext>
+              </a:extLst>
+            </a:blip>
+            <a:srcRect/>
+            <a:stretch>
+              <a:fillRect/>
+            </a:stretch>
+          </p:blipFill>
+          <p:spPr bwMode="auto">
+            <a:xfrm>
+              <a:off x="951806" y="1347236"/>
+              <a:ext cx="3114391" cy="2025926"/>
+            </a:xfrm>
+            <a:prstGeom prst="rect">
+              <a:avLst/>
+            </a:prstGeom>
+            <a:noFill/>
+            <a:extLst>
+              <a:ext uri="{909E8E84-426E-40DD-AFC4-6F175D3DCCD1}">
+                <a14:hiddenFill xmlns:a14="http://schemas.microsoft.com/office/drawing/2010/main">
+                  <a:solidFill>
+                    <a:srgbClr val="FFFFFF"/>
+                  </a:solidFill>
+                </a14:hiddenFill>
+              </a:ext>
+            </a:extLst>
+          </p:spPr>
+        </p:pic>
+        <p:sp>
+          <p:nvSpPr>
+            <p:cNvPr id="11" name="Retângulo 10"/>
+            <p:cNvSpPr/>
+            <p:nvPr/>
+          </p:nvSpPr>
+          <p:spPr>
+            <a:xfrm>
+              <a:off x="251520" y="3861048"/>
+              <a:ext cx="9144000" cy="1892751"/>
+            </a:xfrm>
+            <a:prstGeom prst="rect">
+              <a:avLst/>
+            </a:prstGeom>
+            <a:solidFill>
+              <a:srgbClr val="273C75"/>
+            </a:solidFill>
+            <a:ln>
+              <a:noFill/>
+            </a:ln>
+          </p:spPr>
+          <p:style>
+            <a:lnRef idx="2">
+              <a:schemeClr val="accent1">
+                <a:shade val="50000"/>
+              </a:schemeClr>
+            </a:lnRef>
+            <a:fillRef idx="1">
+              <a:schemeClr val="accent1"/>
+            </a:fillRef>
+            <a:effectRef idx="0">
+              <a:schemeClr val="accent1"/>
+            </a:effectRef>
+            <a:fontRef idx="minor">
+              <a:schemeClr val="lt1"/>
+            </a:fontRef>
+          </p:style>
+          <p:txBody>
+            <a:bodyPr rtlCol="0" anchor="ctr"/>
+            <a:lstStyle/>
+            <a:p>
+              <a:pPr algn="ctr"/>
+              <a:endParaRPr lang="pt-BR"/>
+            </a:p>
+          </p:txBody>
+        </p:sp>
+        <p:sp>
+          <p:nvSpPr>
+            <p:cNvPr id="15" name="Retângulo de cantos arredondados 14"/>
+            <p:cNvSpPr/>
+            <p:nvPr/>
+          </p:nvSpPr>
+          <p:spPr>
+            <a:xfrm>
+              <a:off x="1319130" y="4270129"/>
+              <a:ext cx="1584176" cy="1188593"/>
+            </a:xfrm>
+            <a:prstGeom prst="roundRect">
+              <a:avLst>
+                <a:gd name="adj" fmla="val 0"/>
+              </a:avLst>
+            </a:prstGeom>
+            <a:solidFill>
+              <a:srgbClr val="3498DB"/>
+            </a:solidFill>
+            <a:ln>
+              <a:noFill/>
+            </a:ln>
+          </p:spPr>
+          <p:style>
+            <a:lnRef idx="2">
+              <a:schemeClr val="accent1">
+                <a:shade val="50000"/>
+              </a:schemeClr>
+            </a:lnRef>
+            <a:fillRef idx="1">
+              <a:schemeClr val="accent1"/>
+            </a:fillRef>
+            <a:effectRef idx="0">
+              <a:schemeClr val="accent1"/>
+            </a:effectRef>
+            <a:fontRef idx="minor">
+              <a:schemeClr val="lt1"/>
+            </a:fontRef>
+          </p:style>
+          <p:txBody>
+            <a:bodyPr rtlCol="0" anchor="ctr"/>
+            <a:lstStyle/>
+            <a:p>
+              <a:pPr algn="ctr"/>
+              <a:endParaRPr lang="pt-BR" sz="4800" dirty="0">
                 <a:solidFill>
-                  <a:srgbClr val="FFFFFF"/>
+                  <a:schemeClr val="tx1"/>
                 </a:solidFill>
-              </a14:hiddenFill>
-            </a:ext>
-          </a:extLst>
-        </p:spPr>
-      </p:pic>
+              </a:endParaRPr>
+            </a:p>
+          </p:txBody>
+        </p:sp>
+        <p:sp>
+          <p:nvSpPr>
+            <p:cNvPr id="19" name="Retângulo de cantos arredondados 18"/>
+            <p:cNvSpPr/>
+            <p:nvPr/>
+          </p:nvSpPr>
+          <p:spPr>
+            <a:xfrm>
+              <a:off x="3071325" y="4277097"/>
+              <a:ext cx="1584176" cy="1188593"/>
+            </a:xfrm>
+            <a:prstGeom prst="roundRect">
+              <a:avLst>
+                <a:gd name="adj" fmla="val 0"/>
+              </a:avLst>
+            </a:prstGeom>
+            <a:solidFill>
+              <a:srgbClr val="C0392B"/>
+            </a:solidFill>
+            <a:ln>
+              <a:noFill/>
+            </a:ln>
+          </p:spPr>
+          <p:style>
+            <a:lnRef idx="2">
+              <a:schemeClr val="accent1">
+                <a:shade val="50000"/>
+              </a:schemeClr>
+            </a:lnRef>
+            <a:fillRef idx="1">
+              <a:schemeClr val="accent1"/>
+            </a:fillRef>
+            <a:effectRef idx="0">
+              <a:schemeClr val="accent1"/>
+            </a:effectRef>
+            <a:fontRef idx="minor">
+              <a:schemeClr val="lt1"/>
+            </a:fontRef>
+          </p:style>
+          <p:txBody>
+            <a:bodyPr rtlCol="0" anchor="ctr"/>
+            <a:lstStyle/>
+            <a:p>
+              <a:pPr algn="ctr"/>
+              <a:endParaRPr lang="pt-BR" sz="4800" dirty="0">
+                <a:solidFill>
+                  <a:schemeClr val="tx1"/>
+                </a:solidFill>
+              </a:endParaRPr>
+            </a:p>
+          </p:txBody>
+        </p:sp>
+        <p:sp>
+          <p:nvSpPr>
+            <p:cNvPr id="20" name="Retângulo de cantos arredondados 19"/>
+            <p:cNvSpPr/>
+            <p:nvPr/>
+          </p:nvSpPr>
+          <p:spPr>
+            <a:xfrm>
+              <a:off x="6575714" y="4277098"/>
+              <a:ext cx="1584176" cy="1188593"/>
+            </a:xfrm>
+            <a:prstGeom prst="roundRect">
+              <a:avLst>
+                <a:gd name="adj" fmla="val 0"/>
+              </a:avLst>
+            </a:prstGeom>
+            <a:solidFill>
+              <a:srgbClr val="F1C40F"/>
+            </a:solidFill>
+            <a:ln>
+              <a:noFill/>
+            </a:ln>
+          </p:spPr>
+          <p:style>
+            <a:lnRef idx="2">
+              <a:schemeClr val="accent1">
+                <a:shade val="50000"/>
+              </a:schemeClr>
+            </a:lnRef>
+            <a:fillRef idx="1">
+              <a:schemeClr val="accent1"/>
+            </a:fillRef>
+            <a:effectRef idx="0">
+              <a:schemeClr val="accent1"/>
+            </a:effectRef>
+            <a:fontRef idx="minor">
+              <a:schemeClr val="lt1"/>
+            </a:fontRef>
+          </p:style>
+          <p:txBody>
+            <a:bodyPr rtlCol="0" anchor="ctr"/>
+            <a:lstStyle/>
+            <a:p>
+              <a:pPr algn="ctr"/>
+              <a:endParaRPr lang="pt-BR" sz="4800" dirty="0">
+                <a:solidFill>
+                  <a:schemeClr val="tx1"/>
+                </a:solidFill>
+              </a:endParaRPr>
+            </a:p>
+          </p:txBody>
+        </p:sp>
+        <p:sp>
+          <p:nvSpPr>
+            <p:cNvPr id="21" name="Retângulo de cantos arredondados 20"/>
+            <p:cNvSpPr/>
+            <p:nvPr/>
+          </p:nvSpPr>
+          <p:spPr>
+            <a:xfrm>
+              <a:off x="4823520" y="4277098"/>
+              <a:ext cx="1584176" cy="1188593"/>
+            </a:xfrm>
+            <a:prstGeom prst="roundRect">
+              <a:avLst>
+                <a:gd name="adj" fmla="val 0"/>
+              </a:avLst>
+            </a:prstGeom>
+            <a:solidFill>
+              <a:srgbClr val="2ECC71"/>
+            </a:solidFill>
+            <a:ln>
+              <a:noFill/>
+            </a:ln>
+          </p:spPr>
+          <p:style>
+            <a:lnRef idx="2">
+              <a:schemeClr val="accent1">
+                <a:shade val="50000"/>
+              </a:schemeClr>
+            </a:lnRef>
+            <a:fillRef idx="1">
+              <a:schemeClr val="accent1"/>
+            </a:fillRef>
+            <a:effectRef idx="0">
+              <a:schemeClr val="accent1"/>
+            </a:effectRef>
+            <a:fontRef idx="minor">
+              <a:schemeClr val="lt1"/>
+            </a:fontRef>
+          </p:style>
+          <p:txBody>
+            <a:bodyPr rtlCol="0" anchor="ctr"/>
+            <a:lstStyle/>
+            <a:p>
+              <a:pPr algn="ctr"/>
+              <a:endParaRPr lang="pt-BR" sz="4800" dirty="0">
+                <a:solidFill>
+                  <a:schemeClr val="tx1"/>
+                </a:solidFill>
+              </a:endParaRPr>
+            </a:p>
+          </p:txBody>
+        </p:sp>
+        <p:pic>
+          <p:nvPicPr>
+            <p:cNvPr id="5127" name="Picture 7" descr="C:\Users\u18189\Desktop\Ludit\LuditApp\app\src\main\res\drawable\res_6.png"/>
+            <p:cNvPicPr>
+              <a:picLocks noChangeAspect="1" noChangeArrowheads="1"/>
+            </p:cNvPicPr>
+            <p:nvPr/>
+          </p:nvPicPr>
+          <p:blipFill>
+            <a:blip r:embed="rId4" cstate="print">
+              <a:extLst>
+                <a:ext uri="{28A0092B-C50C-407E-A947-70E740481C1C}">
+                  <a14:useLocalDpi xmlns:a14="http://schemas.microsoft.com/office/drawing/2010/main" val="0"/>
+                </a:ext>
+              </a:extLst>
+            </a:blip>
+            <a:srcRect/>
+            <a:stretch>
+              <a:fillRect/>
+            </a:stretch>
+          </p:blipFill>
+          <p:spPr bwMode="auto">
+            <a:xfrm>
+              <a:off x="6992292" y="4502252"/>
+              <a:ext cx="751019" cy="738283"/>
+            </a:xfrm>
+            <a:prstGeom prst="rect">
+              <a:avLst/>
+            </a:prstGeom>
+            <a:noFill/>
+            <a:extLst>
+              <a:ext uri="{909E8E84-426E-40DD-AFC4-6F175D3DCCD1}">
+                <a14:hiddenFill xmlns:a14="http://schemas.microsoft.com/office/drawing/2010/main">
+                  <a:solidFill>
+                    <a:srgbClr val="FFFFFF"/>
+                  </a:solidFill>
+                </a14:hiddenFill>
+              </a:ext>
+            </a:extLst>
+          </p:spPr>
+        </p:pic>
+        <p:pic>
+          <p:nvPicPr>
+            <p:cNvPr id="5129" name="Picture 9" descr="C:\Users\u18189\Desktop\Ludit\LuditApp\app\src\main\res\drawable\res_7.png"/>
+            <p:cNvPicPr>
+              <a:picLocks noChangeAspect="1" noChangeArrowheads="1"/>
+            </p:cNvPicPr>
+            <p:nvPr/>
+          </p:nvPicPr>
+          <p:blipFill>
+            <a:blip r:embed="rId5" cstate="print">
+              <a:extLst>
+                <a:ext uri="{28A0092B-C50C-407E-A947-70E740481C1C}">
+                  <a14:useLocalDpi xmlns:a14="http://schemas.microsoft.com/office/drawing/2010/main" val="0"/>
+                </a:ext>
+              </a:extLst>
+            </a:blip>
+            <a:srcRect/>
+            <a:stretch>
+              <a:fillRect/>
+            </a:stretch>
+          </p:blipFill>
+          <p:spPr bwMode="auto">
+            <a:xfrm>
+              <a:off x="1724207" y="4483977"/>
+              <a:ext cx="774021" cy="760895"/>
+            </a:xfrm>
+            <a:prstGeom prst="rect">
+              <a:avLst/>
+            </a:prstGeom>
+            <a:noFill/>
+            <a:extLst>
+              <a:ext uri="{909E8E84-426E-40DD-AFC4-6F175D3DCCD1}">
+                <a14:hiddenFill xmlns:a14="http://schemas.microsoft.com/office/drawing/2010/main">
+                  <a:solidFill>
+                    <a:srgbClr val="FFFFFF"/>
+                  </a:solidFill>
+                </a14:hiddenFill>
+              </a:ext>
+            </a:extLst>
+          </p:spPr>
+        </p:pic>
+        <p:pic>
+          <p:nvPicPr>
+            <p:cNvPr id="5130" name="Picture 10" descr="C:\Users\u18189\Desktop\Ludit\LuditApp\app\src\main\res\drawable\res_15.png"/>
+            <p:cNvPicPr>
+              <a:picLocks noChangeAspect="1" noChangeArrowheads="1"/>
+            </p:cNvPicPr>
+            <p:nvPr/>
+          </p:nvPicPr>
+          <p:blipFill>
+            <a:blip r:embed="rId6" cstate="print">
+              <a:extLst>
+                <a:ext uri="{28A0092B-C50C-407E-A947-70E740481C1C}">
+                  <a14:useLocalDpi xmlns:a14="http://schemas.microsoft.com/office/drawing/2010/main" val="0"/>
+                </a:ext>
+              </a:extLst>
+            </a:blip>
+            <a:srcRect/>
+            <a:stretch>
+              <a:fillRect/>
+            </a:stretch>
+          </p:blipFill>
+          <p:spPr bwMode="auto">
+            <a:xfrm>
+              <a:off x="5163896" y="4644784"/>
+              <a:ext cx="903423" cy="439279"/>
+            </a:xfrm>
+            <a:prstGeom prst="rect">
+              <a:avLst/>
+            </a:prstGeom>
+            <a:noFill/>
+            <a:extLst>
+              <a:ext uri="{909E8E84-426E-40DD-AFC4-6F175D3DCCD1}">
+                <a14:hiddenFill xmlns:a14="http://schemas.microsoft.com/office/drawing/2010/main">
+                  <a:solidFill>
+                    <a:srgbClr val="FFFFFF"/>
+                  </a:solidFill>
+                </a14:hiddenFill>
+              </a:ext>
+            </a:extLst>
+          </p:spPr>
+        </p:pic>
+        <p:pic>
+          <p:nvPicPr>
+            <p:cNvPr id="5131" name="Picture 11" descr="C:\Users\u18189\Desktop\Ludit\LuditApp\app\src\main\res\drawable\res_21.png"/>
+            <p:cNvPicPr>
+              <a:picLocks noChangeAspect="1" noChangeArrowheads="1"/>
+            </p:cNvPicPr>
+            <p:nvPr/>
+          </p:nvPicPr>
+          <p:blipFill>
+            <a:blip r:embed="rId7" cstate="print">
+              <a:extLst>
+                <a:ext uri="{28A0092B-C50C-407E-A947-70E740481C1C}">
+                  <a14:useLocalDpi xmlns:a14="http://schemas.microsoft.com/office/drawing/2010/main" val="0"/>
+                </a:ext>
+              </a:extLst>
+            </a:blip>
+            <a:srcRect/>
+            <a:stretch>
+              <a:fillRect/>
+            </a:stretch>
+          </p:blipFill>
+          <p:spPr bwMode="auto">
+            <a:xfrm>
+              <a:off x="3438264" y="4435417"/>
+              <a:ext cx="850298" cy="744011"/>
+            </a:xfrm>
+            <a:prstGeom prst="rect">
+              <a:avLst/>
+            </a:prstGeom>
+            <a:noFill/>
+            <a:extLst>
+              <a:ext uri="{909E8E84-426E-40DD-AFC4-6F175D3DCCD1}">
+                <a14:hiddenFill xmlns:a14="http://schemas.microsoft.com/office/drawing/2010/main">
+                  <a:solidFill>
+                    <a:srgbClr val="FFFFFF"/>
+                  </a:solidFill>
+                </a14:hiddenFill>
+              </a:ext>
+            </a:extLst>
+          </p:spPr>
+        </p:pic>
+      </p:grpSp>
     </p:spTree>
     <p:extLst>
       <p:ext uri="{BB962C8B-B14F-4D97-AF65-F5344CB8AC3E}">
@@ -5001,6 +5476,1128 @@
 </file>
 
 <file path=ppt/slides/slide13.xml><?xml version="1.0" encoding="utf-8"?>
+<p:sld xmlns:a="http://schemas.openxmlformats.org/drawingml/2006/main" xmlns:r="http://schemas.openxmlformats.org/officeDocument/2006/relationships" xmlns:p="http://schemas.openxmlformats.org/presentationml/2006/main">
+  <p:cSld>
+    <p:spTree>
+      <p:nvGrpSpPr>
+        <p:cNvPr id="1" name=""/>
+        <p:cNvGrpSpPr/>
+        <p:nvPr/>
+      </p:nvGrpSpPr>
+      <p:grpSpPr>
+        <a:xfrm>
+          <a:off x="0" y="0"/>
+          <a:ext cx="0" cy="0"/>
+          <a:chOff x="0" y="0"/>
+          <a:chExt cx="0" cy="0"/>
+        </a:xfrm>
+      </p:grpSpPr>
+      <p:grpSp>
+        <p:nvGrpSpPr>
+          <p:cNvPr id="48" name="Grupo 47"/>
+          <p:cNvGrpSpPr/>
+          <p:nvPr/>
+        </p:nvGrpSpPr>
+        <p:grpSpPr>
+          <a:xfrm>
+            <a:off x="251520" y="621364"/>
+            <a:ext cx="9144000" cy="5132435"/>
+            <a:chOff x="251520" y="621364"/>
+            <a:chExt cx="9144000" cy="5132435"/>
+          </a:xfrm>
+        </p:grpSpPr>
+        <p:pic>
+          <p:nvPicPr>
+            <p:cNvPr id="4" name="Picture 4" descr="C:\Users\u18189\Desktop\Ludit\LuditApp\app\src\main\res\drawable\fundo_formas.png"/>
+            <p:cNvPicPr>
+              <a:picLocks noChangeAspect="1" noChangeArrowheads="1"/>
+            </p:cNvPicPr>
+            <p:nvPr/>
+          </p:nvPicPr>
+          <p:blipFill>
+            <a:blip r:embed="rId2">
+              <a:extLst>
+                <a:ext uri="{28A0092B-C50C-407E-A947-70E740481C1C}">
+                  <a14:useLocalDpi xmlns:a14="http://schemas.microsoft.com/office/drawing/2010/main" val="0"/>
+                </a:ext>
+              </a:extLst>
+            </a:blip>
+            <a:srcRect/>
+            <a:stretch>
+              <a:fillRect/>
+            </a:stretch>
+          </p:blipFill>
+          <p:spPr bwMode="auto">
+            <a:xfrm>
+              <a:off x="251520" y="853186"/>
+              <a:ext cx="9144000" cy="4900613"/>
+            </a:xfrm>
+            <a:prstGeom prst="rect">
+              <a:avLst/>
+            </a:prstGeom>
+            <a:noFill/>
+            <a:extLst>
+              <a:ext uri="{909E8E84-426E-40DD-AFC4-6F175D3DCCD1}">
+                <a14:hiddenFill xmlns:a14="http://schemas.microsoft.com/office/drawing/2010/main">
+                  <a:solidFill>
+                    <a:srgbClr val="FFFFFF"/>
+                  </a:solidFill>
+                </a14:hiddenFill>
+              </a:ext>
+            </a:extLst>
+          </p:spPr>
+        </p:pic>
+        <p:pic>
+          <p:nvPicPr>
+            <p:cNvPr id="5" name="Picture 3" descr="C:\Users\u18189\Desktop\Ludit\LuditApp\app\src\main\res\drawable\per_6.png"/>
+            <p:cNvPicPr>
+              <a:picLocks noChangeAspect="1" noChangeArrowheads="1"/>
+            </p:cNvPicPr>
+            <p:nvPr/>
+          </p:nvPicPr>
+          <p:blipFill>
+            <a:blip r:embed="rId3" cstate="print">
+              <a:extLst>
+                <a:ext uri="{28A0092B-C50C-407E-A947-70E740481C1C}">
+                  <a14:useLocalDpi xmlns:a14="http://schemas.microsoft.com/office/drawing/2010/main" val="0"/>
+                </a:ext>
+              </a:extLst>
+            </a:blip>
+            <a:srcRect/>
+            <a:stretch>
+              <a:fillRect/>
+            </a:stretch>
+          </p:blipFill>
+          <p:spPr bwMode="auto">
+            <a:xfrm>
+              <a:off x="951806" y="1347236"/>
+              <a:ext cx="3114391" cy="2025926"/>
+            </a:xfrm>
+            <a:prstGeom prst="rect">
+              <a:avLst/>
+            </a:prstGeom>
+            <a:noFill/>
+            <a:extLst>
+              <a:ext uri="{909E8E84-426E-40DD-AFC4-6F175D3DCCD1}">
+                <a14:hiddenFill xmlns:a14="http://schemas.microsoft.com/office/drawing/2010/main">
+                  <a:solidFill>
+                    <a:srgbClr val="FFFFFF"/>
+                  </a:solidFill>
+                </a14:hiddenFill>
+              </a:ext>
+            </a:extLst>
+          </p:spPr>
+        </p:pic>
+        <p:sp>
+          <p:nvSpPr>
+            <p:cNvPr id="6" name="Retângulo 5"/>
+            <p:cNvSpPr/>
+            <p:nvPr/>
+          </p:nvSpPr>
+          <p:spPr>
+            <a:xfrm>
+              <a:off x="251520" y="3861048"/>
+              <a:ext cx="9144000" cy="1892751"/>
+            </a:xfrm>
+            <a:prstGeom prst="rect">
+              <a:avLst/>
+            </a:prstGeom>
+            <a:solidFill>
+              <a:srgbClr val="273C75"/>
+            </a:solidFill>
+            <a:ln>
+              <a:noFill/>
+            </a:ln>
+          </p:spPr>
+          <p:style>
+            <a:lnRef idx="2">
+              <a:schemeClr val="accent1">
+                <a:shade val="50000"/>
+              </a:schemeClr>
+            </a:lnRef>
+            <a:fillRef idx="1">
+              <a:schemeClr val="accent1"/>
+            </a:fillRef>
+            <a:effectRef idx="0">
+              <a:schemeClr val="accent1"/>
+            </a:effectRef>
+            <a:fontRef idx="minor">
+              <a:schemeClr val="lt1"/>
+            </a:fontRef>
+          </p:style>
+          <p:txBody>
+            <a:bodyPr rtlCol="0" anchor="ctr"/>
+            <a:lstStyle/>
+            <a:p>
+              <a:pPr algn="ctr"/>
+              <a:endParaRPr lang="pt-BR"/>
+            </a:p>
+          </p:txBody>
+        </p:sp>
+        <p:sp>
+          <p:nvSpPr>
+            <p:cNvPr id="7" name="Retângulo de cantos arredondados 6"/>
+            <p:cNvSpPr/>
+            <p:nvPr/>
+          </p:nvSpPr>
+          <p:spPr>
+            <a:xfrm>
+              <a:off x="1319130" y="4270129"/>
+              <a:ext cx="1584176" cy="1188593"/>
+            </a:xfrm>
+            <a:prstGeom prst="roundRect">
+              <a:avLst>
+                <a:gd name="adj" fmla="val 0"/>
+              </a:avLst>
+            </a:prstGeom>
+            <a:solidFill>
+              <a:srgbClr val="3498DB"/>
+            </a:solidFill>
+            <a:ln>
+              <a:noFill/>
+            </a:ln>
+          </p:spPr>
+          <p:style>
+            <a:lnRef idx="2">
+              <a:schemeClr val="accent1">
+                <a:shade val="50000"/>
+              </a:schemeClr>
+            </a:lnRef>
+            <a:fillRef idx="1">
+              <a:schemeClr val="accent1"/>
+            </a:fillRef>
+            <a:effectRef idx="0">
+              <a:schemeClr val="accent1"/>
+            </a:effectRef>
+            <a:fontRef idx="minor">
+              <a:schemeClr val="lt1"/>
+            </a:fontRef>
+          </p:style>
+          <p:txBody>
+            <a:bodyPr rtlCol="0" anchor="ctr"/>
+            <a:lstStyle/>
+            <a:p>
+              <a:pPr algn="ctr"/>
+              <a:endParaRPr lang="pt-BR" sz="4800" dirty="0">
+                <a:solidFill>
+                  <a:schemeClr val="tx1"/>
+                </a:solidFill>
+              </a:endParaRPr>
+            </a:p>
+          </p:txBody>
+        </p:sp>
+        <p:sp>
+          <p:nvSpPr>
+            <p:cNvPr id="8" name="Retângulo de cantos arredondados 7"/>
+            <p:cNvSpPr/>
+            <p:nvPr/>
+          </p:nvSpPr>
+          <p:spPr>
+            <a:xfrm>
+              <a:off x="3071325" y="4277097"/>
+              <a:ext cx="1584176" cy="1188593"/>
+            </a:xfrm>
+            <a:prstGeom prst="roundRect">
+              <a:avLst>
+                <a:gd name="adj" fmla="val 0"/>
+              </a:avLst>
+            </a:prstGeom>
+            <a:solidFill>
+              <a:srgbClr val="C0392B"/>
+            </a:solidFill>
+            <a:ln>
+              <a:noFill/>
+            </a:ln>
+          </p:spPr>
+          <p:style>
+            <a:lnRef idx="2">
+              <a:schemeClr val="accent1">
+                <a:shade val="50000"/>
+              </a:schemeClr>
+            </a:lnRef>
+            <a:fillRef idx="1">
+              <a:schemeClr val="accent1"/>
+            </a:fillRef>
+            <a:effectRef idx="0">
+              <a:schemeClr val="accent1"/>
+            </a:effectRef>
+            <a:fontRef idx="minor">
+              <a:schemeClr val="lt1"/>
+            </a:fontRef>
+          </p:style>
+          <p:txBody>
+            <a:bodyPr rtlCol="0" anchor="ctr"/>
+            <a:lstStyle/>
+            <a:p>
+              <a:pPr algn="ctr"/>
+              <a:endParaRPr lang="pt-BR" sz="4800" dirty="0">
+                <a:solidFill>
+                  <a:schemeClr val="tx1"/>
+                </a:solidFill>
+              </a:endParaRPr>
+            </a:p>
+          </p:txBody>
+        </p:sp>
+        <p:sp>
+          <p:nvSpPr>
+            <p:cNvPr id="9" name="Retângulo de cantos arredondados 8"/>
+            <p:cNvSpPr/>
+            <p:nvPr/>
+          </p:nvSpPr>
+          <p:spPr>
+            <a:xfrm>
+              <a:off x="6575714" y="4277098"/>
+              <a:ext cx="1584176" cy="1188593"/>
+            </a:xfrm>
+            <a:prstGeom prst="roundRect">
+              <a:avLst>
+                <a:gd name="adj" fmla="val 0"/>
+              </a:avLst>
+            </a:prstGeom>
+            <a:solidFill>
+              <a:srgbClr val="F1C40F"/>
+            </a:solidFill>
+            <a:ln>
+              <a:noFill/>
+            </a:ln>
+          </p:spPr>
+          <p:style>
+            <a:lnRef idx="2">
+              <a:schemeClr val="accent1">
+                <a:shade val="50000"/>
+              </a:schemeClr>
+            </a:lnRef>
+            <a:fillRef idx="1">
+              <a:schemeClr val="accent1"/>
+            </a:fillRef>
+            <a:effectRef idx="0">
+              <a:schemeClr val="accent1"/>
+            </a:effectRef>
+            <a:fontRef idx="minor">
+              <a:schemeClr val="lt1"/>
+            </a:fontRef>
+          </p:style>
+          <p:txBody>
+            <a:bodyPr rtlCol="0" anchor="ctr"/>
+            <a:lstStyle/>
+            <a:p>
+              <a:pPr algn="ctr"/>
+              <a:endParaRPr lang="pt-BR" sz="4800" dirty="0">
+                <a:solidFill>
+                  <a:schemeClr val="tx1"/>
+                </a:solidFill>
+              </a:endParaRPr>
+            </a:p>
+          </p:txBody>
+        </p:sp>
+        <p:sp>
+          <p:nvSpPr>
+            <p:cNvPr id="10" name="Retângulo de cantos arredondados 9"/>
+            <p:cNvSpPr/>
+            <p:nvPr/>
+          </p:nvSpPr>
+          <p:spPr>
+            <a:xfrm>
+              <a:off x="4823520" y="4277098"/>
+              <a:ext cx="1584176" cy="1188593"/>
+            </a:xfrm>
+            <a:prstGeom prst="roundRect">
+              <a:avLst>
+                <a:gd name="adj" fmla="val 0"/>
+              </a:avLst>
+            </a:prstGeom>
+            <a:solidFill>
+              <a:srgbClr val="2ECC71"/>
+            </a:solidFill>
+            <a:ln>
+              <a:noFill/>
+            </a:ln>
+          </p:spPr>
+          <p:style>
+            <a:lnRef idx="2">
+              <a:schemeClr val="accent1">
+                <a:shade val="50000"/>
+              </a:schemeClr>
+            </a:lnRef>
+            <a:fillRef idx="1">
+              <a:schemeClr val="accent1"/>
+            </a:fillRef>
+            <a:effectRef idx="0">
+              <a:schemeClr val="accent1"/>
+            </a:effectRef>
+            <a:fontRef idx="minor">
+              <a:schemeClr val="lt1"/>
+            </a:fontRef>
+          </p:style>
+          <p:txBody>
+            <a:bodyPr rtlCol="0" anchor="ctr"/>
+            <a:lstStyle/>
+            <a:p>
+              <a:pPr algn="ctr"/>
+              <a:endParaRPr lang="pt-BR" sz="4800" dirty="0">
+                <a:solidFill>
+                  <a:schemeClr val="tx1"/>
+                </a:solidFill>
+              </a:endParaRPr>
+            </a:p>
+          </p:txBody>
+        </p:sp>
+        <p:pic>
+          <p:nvPicPr>
+            <p:cNvPr id="11" name="Picture 7" descr="C:\Users\u18189\Desktop\Ludit\LuditApp\app\src\main\res\drawable\res_6.png"/>
+            <p:cNvPicPr>
+              <a:picLocks noChangeAspect="1" noChangeArrowheads="1"/>
+            </p:cNvPicPr>
+            <p:nvPr/>
+          </p:nvPicPr>
+          <p:blipFill>
+            <a:blip r:embed="rId4" cstate="print">
+              <a:extLst>
+                <a:ext uri="{28A0092B-C50C-407E-A947-70E740481C1C}">
+                  <a14:useLocalDpi xmlns:a14="http://schemas.microsoft.com/office/drawing/2010/main" val="0"/>
+                </a:ext>
+              </a:extLst>
+            </a:blip>
+            <a:srcRect/>
+            <a:stretch>
+              <a:fillRect/>
+            </a:stretch>
+          </p:blipFill>
+          <p:spPr bwMode="auto">
+            <a:xfrm>
+              <a:off x="6992292" y="4502252"/>
+              <a:ext cx="751019" cy="738283"/>
+            </a:xfrm>
+            <a:prstGeom prst="rect">
+              <a:avLst/>
+            </a:prstGeom>
+            <a:noFill/>
+            <a:extLst>
+              <a:ext uri="{909E8E84-426E-40DD-AFC4-6F175D3DCCD1}">
+                <a14:hiddenFill xmlns:a14="http://schemas.microsoft.com/office/drawing/2010/main">
+                  <a:solidFill>
+                    <a:srgbClr val="FFFFFF"/>
+                  </a:solidFill>
+                </a14:hiddenFill>
+              </a:ext>
+            </a:extLst>
+          </p:spPr>
+        </p:pic>
+        <p:pic>
+          <p:nvPicPr>
+            <p:cNvPr id="12" name="Picture 9" descr="C:\Users\u18189\Desktop\Ludit\LuditApp\app\src\main\res\drawable\res_7.png"/>
+            <p:cNvPicPr>
+              <a:picLocks noChangeAspect="1" noChangeArrowheads="1"/>
+            </p:cNvPicPr>
+            <p:nvPr/>
+          </p:nvPicPr>
+          <p:blipFill>
+            <a:blip r:embed="rId5" cstate="print">
+              <a:extLst>
+                <a:ext uri="{28A0092B-C50C-407E-A947-70E740481C1C}">
+                  <a14:useLocalDpi xmlns:a14="http://schemas.microsoft.com/office/drawing/2010/main" val="0"/>
+                </a:ext>
+              </a:extLst>
+            </a:blip>
+            <a:srcRect/>
+            <a:stretch>
+              <a:fillRect/>
+            </a:stretch>
+          </p:blipFill>
+          <p:spPr bwMode="auto">
+            <a:xfrm>
+              <a:off x="1724207" y="4483977"/>
+              <a:ext cx="774021" cy="760895"/>
+            </a:xfrm>
+            <a:prstGeom prst="rect">
+              <a:avLst/>
+            </a:prstGeom>
+            <a:noFill/>
+            <a:extLst>
+              <a:ext uri="{909E8E84-426E-40DD-AFC4-6F175D3DCCD1}">
+                <a14:hiddenFill xmlns:a14="http://schemas.microsoft.com/office/drawing/2010/main">
+                  <a:solidFill>
+                    <a:srgbClr val="FFFFFF"/>
+                  </a:solidFill>
+                </a14:hiddenFill>
+              </a:ext>
+            </a:extLst>
+          </p:spPr>
+        </p:pic>
+        <p:pic>
+          <p:nvPicPr>
+            <p:cNvPr id="13" name="Picture 10" descr="C:\Users\u18189\Desktop\Ludit\LuditApp\app\src\main\res\drawable\res_15.png"/>
+            <p:cNvPicPr>
+              <a:picLocks noChangeAspect="1" noChangeArrowheads="1"/>
+            </p:cNvPicPr>
+            <p:nvPr/>
+          </p:nvPicPr>
+          <p:blipFill>
+            <a:blip r:embed="rId6" cstate="print">
+              <a:extLst>
+                <a:ext uri="{28A0092B-C50C-407E-A947-70E740481C1C}">
+                  <a14:useLocalDpi xmlns:a14="http://schemas.microsoft.com/office/drawing/2010/main" val="0"/>
+                </a:ext>
+              </a:extLst>
+            </a:blip>
+            <a:srcRect/>
+            <a:stretch>
+              <a:fillRect/>
+            </a:stretch>
+          </p:blipFill>
+          <p:spPr bwMode="auto">
+            <a:xfrm>
+              <a:off x="5163896" y="4644784"/>
+              <a:ext cx="903423" cy="439279"/>
+            </a:xfrm>
+            <a:prstGeom prst="rect">
+              <a:avLst/>
+            </a:prstGeom>
+            <a:noFill/>
+            <a:extLst>
+              <a:ext uri="{909E8E84-426E-40DD-AFC4-6F175D3DCCD1}">
+                <a14:hiddenFill xmlns:a14="http://schemas.microsoft.com/office/drawing/2010/main">
+                  <a:solidFill>
+                    <a:srgbClr val="FFFFFF"/>
+                  </a:solidFill>
+                </a14:hiddenFill>
+              </a:ext>
+            </a:extLst>
+          </p:spPr>
+        </p:pic>
+        <p:pic>
+          <p:nvPicPr>
+            <p:cNvPr id="14" name="Picture 11" descr="C:\Users\u18189\Desktop\Ludit\LuditApp\app\src\main\res\drawable\res_21.png"/>
+            <p:cNvPicPr>
+              <a:picLocks noChangeAspect="1" noChangeArrowheads="1"/>
+            </p:cNvPicPr>
+            <p:nvPr/>
+          </p:nvPicPr>
+          <p:blipFill>
+            <a:blip r:embed="rId7" cstate="print">
+              <a:extLst>
+                <a:ext uri="{28A0092B-C50C-407E-A947-70E740481C1C}">
+                  <a14:useLocalDpi xmlns:a14="http://schemas.microsoft.com/office/drawing/2010/main" val="0"/>
+                </a:ext>
+              </a:extLst>
+            </a:blip>
+            <a:srcRect/>
+            <a:stretch>
+              <a:fillRect/>
+            </a:stretch>
+          </p:blipFill>
+          <p:spPr bwMode="auto">
+            <a:xfrm>
+              <a:off x="3438264" y="4435417"/>
+              <a:ext cx="850298" cy="744011"/>
+            </a:xfrm>
+            <a:prstGeom prst="rect">
+              <a:avLst/>
+            </a:prstGeom>
+            <a:noFill/>
+            <a:extLst>
+              <a:ext uri="{909E8E84-426E-40DD-AFC4-6F175D3DCCD1}">
+                <a14:hiddenFill xmlns:a14="http://schemas.microsoft.com/office/drawing/2010/main">
+                  <a:solidFill>
+                    <a:srgbClr val="FFFFFF"/>
+                  </a:solidFill>
+                </a14:hiddenFill>
+              </a:ext>
+            </a:extLst>
+          </p:spPr>
+        </p:pic>
+        <p:grpSp>
+          <p:nvGrpSpPr>
+            <p:cNvPr id="30" name="Grupo 29"/>
+            <p:cNvGrpSpPr/>
+            <p:nvPr/>
+          </p:nvGrpSpPr>
+          <p:grpSpPr>
+            <a:xfrm>
+              <a:off x="5642711" y="1322970"/>
+              <a:ext cx="3159500" cy="2275670"/>
+              <a:chOff x="1812589" y="777009"/>
+              <a:chExt cx="3850346" cy="2773261"/>
+            </a:xfrm>
+          </p:grpSpPr>
+          <p:sp>
+            <p:nvSpPr>
+              <p:cNvPr id="31" name="Elipse 30"/>
+              <p:cNvSpPr/>
+              <p:nvPr/>
+            </p:nvSpPr>
+            <p:spPr>
+              <a:xfrm>
+                <a:off x="2889674" y="777009"/>
+                <a:ext cx="2773261" cy="2773261"/>
+              </a:xfrm>
+              <a:prstGeom prst="ellipse">
+                <a:avLst/>
+              </a:prstGeom>
+              <a:solidFill>
+                <a:schemeClr val="bg1">
+                  <a:lumMod val="85000"/>
+                </a:schemeClr>
+              </a:solidFill>
+              <a:ln>
+                <a:noFill/>
+              </a:ln>
+            </p:spPr>
+            <p:style>
+              <a:lnRef idx="2">
+                <a:schemeClr val="accent1">
+                  <a:shade val="50000"/>
+                </a:schemeClr>
+              </a:lnRef>
+              <a:fillRef idx="1">
+                <a:schemeClr val="accent1"/>
+              </a:fillRef>
+              <a:effectRef idx="0">
+                <a:schemeClr val="accent1"/>
+              </a:effectRef>
+              <a:fontRef idx="minor">
+                <a:schemeClr val="lt1"/>
+              </a:fontRef>
+            </p:style>
+            <p:txBody>
+              <a:bodyPr rtlCol="0" anchor="ctr"/>
+              <a:lstStyle/>
+              <a:p>
+                <a:pPr algn="ctr"/>
+                <a:endParaRPr lang="pt-BR"/>
+              </a:p>
+            </p:txBody>
+          </p:sp>
+          <p:sp>
+            <p:nvSpPr>
+              <p:cNvPr id="32" name="Elipse 31"/>
+              <p:cNvSpPr/>
+              <p:nvPr/>
+            </p:nvSpPr>
+            <p:spPr>
+              <a:xfrm>
+                <a:off x="3800221" y="914577"/>
+                <a:ext cx="936104" cy="900100"/>
+              </a:xfrm>
+              <a:prstGeom prst="ellipse">
+                <a:avLst/>
+              </a:prstGeom>
+              <a:solidFill>
+                <a:schemeClr val="tx2">
+                  <a:lumMod val="60000"/>
+                  <a:lumOff val="40000"/>
+                </a:schemeClr>
+              </a:solidFill>
+              <a:ln>
+                <a:noFill/>
+              </a:ln>
+            </p:spPr>
+            <p:style>
+              <a:lnRef idx="2">
+                <a:schemeClr val="accent1">
+                  <a:shade val="50000"/>
+                </a:schemeClr>
+              </a:lnRef>
+              <a:fillRef idx="1">
+                <a:schemeClr val="accent1"/>
+              </a:fillRef>
+              <a:effectRef idx="0">
+                <a:schemeClr val="accent1"/>
+              </a:effectRef>
+              <a:fontRef idx="minor">
+                <a:schemeClr val="lt1"/>
+              </a:fontRef>
+            </p:style>
+            <p:txBody>
+              <a:bodyPr rtlCol="0" anchor="ctr"/>
+              <a:lstStyle/>
+              <a:p>
+                <a:pPr algn="ctr"/>
+                <a:endParaRPr lang="pt-BR"/>
+              </a:p>
+            </p:txBody>
+          </p:sp>
+          <p:sp>
+            <p:nvSpPr>
+              <p:cNvPr id="33" name="Elipse 32"/>
+              <p:cNvSpPr/>
+              <p:nvPr/>
+            </p:nvSpPr>
+            <p:spPr>
+              <a:xfrm rot="10800000">
+                <a:off x="3797739" y="2512603"/>
+                <a:ext cx="936104" cy="900100"/>
+              </a:xfrm>
+              <a:prstGeom prst="ellipse">
+                <a:avLst/>
+              </a:prstGeom>
+              <a:solidFill>
+                <a:srgbClr val="FF3B3B"/>
+              </a:solidFill>
+              <a:ln>
+                <a:noFill/>
+              </a:ln>
+            </p:spPr>
+            <p:style>
+              <a:lnRef idx="2">
+                <a:schemeClr val="accent1">
+                  <a:shade val="50000"/>
+                </a:schemeClr>
+              </a:lnRef>
+              <a:fillRef idx="1">
+                <a:schemeClr val="accent1"/>
+              </a:fillRef>
+              <a:effectRef idx="0">
+                <a:schemeClr val="accent1"/>
+              </a:effectRef>
+              <a:fontRef idx="minor">
+                <a:schemeClr val="lt1"/>
+              </a:fontRef>
+            </p:style>
+            <p:txBody>
+              <a:bodyPr rtlCol="0" anchor="ctr"/>
+              <a:lstStyle/>
+              <a:p>
+                <a:pPr algn="ctr"/>
+                <a:endParaRPr lang="pt-BR"/>
+              </a:p>
+            </p:txBody>
+          </p:sp>
+          <p:sp>
+            <p:nvSpPr>
+              <p:cNvPr id="34" name="Elipse 33"/>
+              <p:cNvSpPr/>
+              <p:nvPr/>
+            </p:nvSpPr>
+            <p:spPr>
+              <a:xfrm rot="5400000">
+                <a:off x="4599864" y="1713589"/>
+                <a:ext cx="936104" cy="900100"/>
+              </a:xfrm>
+              <a:prstGeom prst="ellipse">
+                <a:avLst/>
+              </a:prstGeom>
+              <a:solidFill>
+                <a:srgbClr val="00B050"/>
+              </a:solidFill>
+              <a:ln>
+                <a:noFill/>
+              </a:ln>
+            </p:spPr>
+            <p:style>
+              <a:lnRef idx="2">
+                <a:schemeClr val="accent1">
+                  <a:shade val="50000"/>
+                </a:schemeClr>
+              </a:lnRef>
+              <a:fillRef idx="1">
+                <a:schemeClr val="accent1"/>
+              </a:fillRef>
+              <a:effectRef idx="0">
+                <a:schemeClr val="accent1"/>
+              </a:effectRef>
+              <a:fontRef idx="minor">
+                <a:schemeClr val="lt1"/>
+              </a:fontRef>
+            </p:style>
+            <p:txBody>
+              <a:bodyPr rtlCol="0" anchor="ctr"/>
+              <a:lstStyle/>
+              <a:p>
+                <a:pPr algn="ctr"/>
+                <a:endParaRPr lang="pt-BR"/>
+              </a:p>
+            </p:txBody>
+          </p:sp>
+          <p:sp>
+            <p:nvSpPr>
+              <p:cNvPr id="35" name="Elipse 34"/>
+              <p:cNvSpPr/>
+              <p:nvPr/>
+            </p:nvSpPr>
+            <p:spPr>
+              <a:xfrm rot="5400000">
+                <a:off x="3015688" y="1713589"/>
+                <a:ext cx="936104" cy="900100"/>
+              </a:xfrm>
+              <a:prstGeom prst="ellipse">
+                <a:avLst/>
+              </a:prstGeom>
+              <a:solidFill>
+                <a:srgbClr val="FFFF4F"/>
+              </a:solidFill>
+              <a:ln>
+                <a:noFill/>
+              </a:ln>
+            </p:spPr>
+            <p:style>
+              <a:lnRef idx="2">
+                <a:schemeClr val="accent1">
+                  <a:shade val="50000"/>
+                </a:schemeClr>
+              </a:lnRef>
+              <a:fillRef idx="1">
+                <a:schemeClr val="accent1"/>
+              </a:fillRef>
+              <a:effectRef idx="0">
+                <a:schemeClr val="accent1"/>
+              </a:effectRef>
+              <a:fontRef idx="minor">
+                <a:schemeClr val="lt1"/>
+              </a:fontRef>
+            </p:style>
+            <p:txBody>
+              <a:bodyPr rtlCol="0" anchor="ctr"/>
+              <a:lstStyle/>
+              <a:p>
+                <a:pPr algn="ctr"/>
+                <a:endParaRPr lang="pt-BR"/>
+              </a:p>
+            </p:txBody>
+          </p:sp>
+          <p:sp>
+            <p:nvSpPr>
+              <p:cNvPr id="36" name="Seta para a direita 35"/>
+              <p:cNvSpPr/>
+              <p:nvPr/>
+            </p:nvSpPr>
+            <p:spPr>
+              <a:xfrm>
+                <a:off x="1812589" y="1947615"/>
+                <a:ext cx="1140838" cy="432048"/>
+              </a:xfrm>
+              <a:prstGeom prst="rightArrow">
+                <a:avLst/>
+              </a:prstGeom>
+              <a:solidFill>
+                <a:schemeClr val="tx1"/>
+              </a:solidFill>
+              <a:ln>
+                <a:noFill/>
+              </a:ln>
+            </p:spPr>
+            <p:style>
+              <a:lnRef idx="2">
+                <a:schemeClr val="accent1">
+                  <a:shade val="50000"/>
+                </a:schemeClr>
+              </a:lnRef>
+              <a:fillRef idx="1">
+                <a:schemeClr val="accent1"/>
+              </a:fillRef>
+              <a:effectRef idx="0">
+                <a:schemeClr val="accent1"/>
+              </a:effectRef>
+              <a:fontRef idx="minor">
+                <a:schemeClr val="lt1"/>
+              </a:fontRef>
+            </p:style>
+            <p:txBody>
+              <a:bodyPr rtlCol="0" anchor="ctr"/>
+              <a:lstStyle/>
+              <a:p>
+                <a:pPr algn="ctr"/>
+                <a:endParaRPr lang="pt-BR"/>
+              </a:p>
+            </p:txBody>
+          </p:sp>
+        </p:grpSp>
+        <p:grpSp>
+          <p:nvGrpSpPr>
+            <p:cNvPr id="47" name="Grupo 46"/>
+            <p:cNvGrpSpPr/>
+            <p:nvPr/>
+          </p:nvGrpSpPr>
+          <p:grpSpPr>
+            <a:xfrm>
+              <a:off x="6992292" y="621364"/>
+              <a:ext cx="833737" cy="1962440"/>
+              <a:chOff x="6899408" y="429631"/>
+              <a:chExt cx="1013684" cy="2385996"/>
+            </a:xfrm>
+          </p:grpSpPr>
+          <p:sp>
+            <p:nvSpPr>
+              <p:cNvPr id="42" name="Retângulo de cantos arredondados 4"/>
+              <p:cNvSpPr/>
+              <p:nvPr/>
+            </p:nvSpPr>
+            <p:spPr>
+              <a:xfrm rot="12285116">
+                <a:off x="6993764" y="429631"/>
+                <a:ext cx="789772" cy="2385996"/>
+              </a:xfrm>
+              <a:custGeom>
+                <a:avLst/>
+                <a:gdLst/>
+                <a:ahLst/>
+                <a:cxnLst/>
+                <a:rect l="l" t="t" r="r" b="b"/>
+                <a:pathLst>
+                  <a:path w="789772" h="2385996">
+                    <a:moveTo>
+                      <a:pt x="789771" y="2021875"/>
+                    </a:moveTo>
+                    <a:lnTo>
+                      <a:pt x="0" y="2385996"/>
+                    </a:lnTo>
+                    <a:lnTo>
+                      <a:pt x="0" y="394886"/>
+                    </a:lnTo>
+                    <a:cubicBezTo>
+                      <a:pt x="0" y="176796"/>
+                      <a:pt x="176796" y="0"/>
+                      <a:pt x="394886" y="0"/>
+                    </a:cubicBezTo>
+                    <a:cubicBezTo>
+                      <a:pt x="612976" y="0"/>
+                      <a:pt x="789772" y="176796"/>
+                      <a:pt x="789772" y="394886"/>
+                    </a:cubicBezTo>
+                    <a:close/>
+                  </a:path>
+                </a:pathLst>
+              </a:custGeom>
+              <a:solidFill>
+                <a:srgbClr val="974807"/>
+              </a:solidFill>
+              <a:ln>
+                <a:noFill/>
+              </a:ln>
+            </p:spPr>
+            <p:style>
+              <a:lnRef idx="2">
+                <a:schemeClr val="accent1">
+                  <a:shade val="50000"/>
+                </a:schemeClr>
+              </a:lnRef>
+              <a:fillRef idx="1">
+                <a:schemeClr val="accent1"/>
+              </a:fillRef>
+              <a:effectRef idx="0">
+                <a:schemeClr val="accent1"/>
+              </a:effectRef>
+              <a:fontRef idx="minor">
+                <a:schemeClr val="lt1"/>
+              </a:fontRef>
+            </p:style>
+            <p:txBody>
+              <a:bodyPr rtlCol="0" anchor="ctr"/>
+              <a:lstStyle/>
+              <a:p>
+                <a:pPr algn="ctr"/>
+                <a:endParaRPr lang="pt-BR"/>
+              </a:p>
+            </p:txBody>
+          </p:sp>
+          <p:sp>
+            <p:nvSpPr>
+              <p:cNvPr id="43" name="Retângulo de cantos arredondados 42"/>
+              <p:cNvSpPr/>
+              <p:nvPr/>
+            </p:nvSpPr>
+            <p:spPr>
+              <a:xfrm rot="12285116">
+                <a:off x="6899408" y="1744268"/>
+                <a:ext cx="496886" cy="801301"/>
+              </a:xfrm>
+              <a:prstGeom prst="roundRect">
+                <a:avLst>
+                  <a:gd name="adj" fmla="val 50000"/>
+                </a:avLst>
+              </a:prstGeom>
+              <a:solidFill>
+                <a:srgbClr val="FFFAD5"/>
+              </a:solidFill>
+              <a:ln>
+                <a:noFill/>
+              </a:ln>
+            </p:spPr>
+            <p:style>
+              <a:lnRef idx="2">
+                <a:schemeClr val="accent1">
+                  <a:shade val="50000"/>
+                </a:schemeClr>
+              </a:lnRef>
+              <a:fillRef idx="1">
+                <a:schemeClr val="accent1"/>
+              </a:fillRef>
+              <a:effectRef idx="0">
+                <a:schemeClr val="accent1"/>
+              </a:effectRef>
+              <a:fontRef idx="minor">
+                <a:schemeClr val="lt1"/>
+              </a:fontRef>
+            </p:style>
+            <p:txBody>
+              <a:bodyPr rtlCol="0" anchor="ctr"/>
+              <a:lstStyle/>
+              <a:p>
+                <a:pPr algn="ctr"/>
+                <a:endParaRPr lang="pt-BR"/>
+              </a:p>
+            </p:txBody>
+          </p:sp>
+          <p:sp>
+            <p:nvSpPr>
+              <p:cNvPr id="44" name="Retângulo de cantos arredondados 43"/>
+              <p:cNvSpPr/>
+              <p:nvPr/>
+            </p:nvSpPr>
+            <p:spPr>
+              <a:xfrm rot="17685116">
+                <a:off x="7465600" y="1314648"/>
+                <a:ext cx="88217" cy="400649"/>
+              </a:xfrm>
+              <a:prstGeom prst="roundRect">
+                <a:avLst>
+                  <a:gd name="adj" fmla="val 50000"/>
+                </a:avLst>
+              </a:prstGeom>
+              <a:solidFill>
+                <a:srgbClr val="843F06"/>
+              </a:solidFill>
+              <a:ln>
+                <a:noFill/>
+              </a:ln>
+            </p:spPr>
+            <p:style>
+              <a:lnRef idx="2">
+                <a:schemeClr val="accent1">
+                  <a:shade val="50000"/>
+                </a:schemeClr>
+              </a:lnRef>
+              <a:fillRef idx="1">
+                <a:schemeClr val="accent1"/>
+              </a:fillRef>
+              <a:effectRef idx="0">
+                <a:schemeClr val="accent1"/>
+              </a:effectRef>
+              <a:fontRef idx="minor">
+                <a:schemeClr val="lt1"/>
+              </a:fontRef>
+            </p:style>
+            <p:txBody>
+              <a:bodyPr rtlCol="0" anchor="ctr"/>
+              <a:lstStyle/>
+              <a:p>
+                <a:pPr algn="ctr"/>
+                <a:endParaRPr lang="pt-BR"/>
+              </a:p>
+            </p:txBody>
+          </p:sp>
+          <p:sp>
+            <p:nvSpPr>
+              <p:cNvPr id="45" name="Retângulo de cantos arredondados 44"/>
+              <p:cNvSpPr/>
+              <p:nvPr/>
+            </p:nvSpPr>
+            <p:spPr>
+              <a:xfrm rot="17685116">
+                <a:off x="7513125" y="1168742"/>
+                <a:ext cx="88217" cy="400649"/>
+              </a:xfrm>
+              <a:prstGeom prst="roundRect">
+                <a:avLst>
+                  <a:gd name="adj" fmla="val 50000"/>
+                </a:avLst>
+              </a:prstGeom>
+              <a:solidFill>
+                <a:srgbClr val="843F06"/>
+              </a:solidFill>
+              <a:ln>
+                <a:noFill/>
+              </a:ln>
+            </p:spPr>
+            <p:style>
+              <a:lnRef idx="2">
+                <a:schemeClr val="accent1">
+                  <a:shade val="50000"/>
+                </a:schemeClr>
+              </a:lnRef>
+              <a:fillRef idx="1">
+                <a:schemeClr val="accent1"/>
+              </a:fillRef>
+              <a:effectRef idx="0">
+                <a:schemeClr val="accent1"/>
+              </a:effectRef>
+              <a:fontRef idx="minor">
+                <a:schemeClr val="lt1"/>
+              </a:fontRef>
+            </p:style>
+            <p:txBody>
+              <a:bodyPr rtlCol="0" anchor="ctr"/>
+              <a:lstStyle/>
+              <a:p>
+                <a:pPr algn="ctr"/>
+                <a:endParaRPr lang="pt-BR"/>
+              </a:p>
+            </p:txBody>
+          </p:sp>
+          <p:sp>
+            <p:nvSpPr>
+              <p:cNvPr id="46" name="Retângulo de cantos arredondados 45"/>
+              <p:cNvSpPr/>
+              <p:nvPr/>
+            </p:nvSpPr>
+            <p:spPr>
+              <a:xfrm rot="17685116">
+                <a:off x="7643674" y="654704"/>
+                <a:ext cx="88217" cy="450618"/>
+              </a:xfrm>
+              <a:prstGeom prst="roundRect">
+                <a:avLst>
+                  <a:gd name="adj" fmla="val 50000"/>
+                </a:avLst>
+              </a:prstGeom>
+              <a:solidFill>
+                <a:srgbClr val="843F06"/>
+              </a:solidFill>
+              <a:ln>
+                <a:noFill/>
+              </a:ln>
+            </p:spPr>
+            <p:style>
+              <a:lnRef idx="2">
+                <a:schemeClr val="accent1">
+                  <a:shade val="50000"/>
+                </a:schemeClr>
+              </a:lnRef>
+              <a:fillRef idx="1">
+                <a:schemeClr val="accent1"/>
+              </a:fillRef>
+              <a:effectRef idx="0">
+                <a:schemeClr val="accent1"/>
+              </a:effectRef>
+              <a:fontRef idx="minor">
+                <a:schemeClr val="lt1"/>
+              </a:fontRef>
+            </p:style>
+            <p:txBody>
+              <a:bodyPr rtlCol="0" anchor="ctr"/>
+              <a:lstStyle/>
+              <a:p>
+                <a:pPr algn="ctr"/>
+                <a:endParaRPr lang="pt-BR"/>
+              </a:p>
+            </p:txBody>
+          </p:sp>
+        </p:grpSp>
+      </p:grpSp>
+    </p:spTree>
+    <p:extLst>
+      <p:ext uri="{BB962C8B-B14F-4D97-AF65-F5344CB8AC3E}">
+        <p14:creationId xmlns:p14="http://schemas.microsoft.com/office/powerpoint/2010/main" val="246439671"/>
+      </p:ext>
+    </p:extLst>
+  </p:cSld>
+  <p:clrMapOvr>
+    <a:masterClrMapping/>
+  </p:clrMapOvr>
+</p:sld>
+</file>
+
+<file path=ppt/slides/slide14.xml><?xml version="1.0" encoding="utf-8"?>
 <p:sld xmlns:a="http://schemas.openxmlformats.org/drawingml/2006/main" xmlns:r="http://schemas.openxmlformats.org/officeDocument/2006/relationships" xmlns:p="http://schemas.openxmlformats.org/presentationml/2006/main">
   <p:cSld>
     <p:spTree>
@@ -5430,7 +7027,7 @@
 </p:sld>
 </file>
 
-<file path=ppt/slides/slide14.xml><?xml version="1.0" encoding="utf-8"?>
+<file path=ppt/slides/slide15.xml><?xml version="1.0" encoding="utf-8"?>
 <p:sld xmlns:a="http://schemas.openxmlformats.org/drawingml/2006/main" xmlns:r="http://schemas.openxmlformats.org/officeDocument/2006/relationships" xmlns:p="http://schemas.openxmlformats.org/presentationml/2006/main">
   <p:cSld>
     <p:spTree>
@@ -6422,7 +8019,7 @@
 </p:sld>
 </file>
 
-<file path=ppt/slides/slide15.xml><?xml version="1.0" encoding="utf-8"?>
+<file path=ppt/slides/slide16.xml><?xml version="1.0" encoding="utf-8"?>
 <p:sld xmlns:a="http://schemas.openxmlformats.org/drawingml/2006/main" xmlns:r="http://schemas.openxmlformats.org/officeDocument/2006/relationships" xmlns:p="http://schemas.openxmlformats.org/presentationml/2006/main">
   <p:cSld>
     <p:spTree>
@@ -6452,7 +8049,7 @@
 </p:sld>
 </file>
 
-<file path=ppt/slides/slide16.xml><?xml version="1.0" encoding="utf-8"?>
+<file path=ppt/slides/slide17.xml><?xml version="1.0" encoding="utf-8"?>
 <p:sld xmlns:a="http://schemas.openxmlformats.org/drawingml/2006/main" xmlns:r="http://schemas.openxmlformats.org/officeDocument/2006/relationships" xmlns:p="http://schemas.openxmlformats.org/presentationml/2006/main">
   <p:cSld>
     <p:spTree>
